--- a/流程图.pptx
+++ b/流程图.pptx
@@ -246,7 +246,7 @@
           <a:p>
             <a:fld id="{99B428BF-D65C-411D-B76B-DD2977302298}" type="datetimeFigureOut">
               <a:rPr lang="zh-CN" altLang="en-US" smtClean="0"/>
-              <a:t>2016/12/16</a:t>
+              <a:t>2016/12/22</a:t>
             </a:fld>
             <a:endParaRPr lang="zh-CN" altLang="en-US"/>
           </a:p>
@@ -416,7 +416,7 @@
           <a:p>
             <a:fld id="{99B428BF-D65C-411D-B76B-DD2977302298}" type="datetimeFigureOut">
               <a:rPr lang="zh-CN" altLang="en-US" smtClean="0"/>
-              <a:t>2016/12/16</a:t>
+              <a:t>2016/12/22</a:t>
             </a:fld>
             <a:endParaRPr lang="zh-CN" altLang="en-US"/>
           </a:p>
@@ -596,7 +596,7 @@
           <a:p>
             <a:fld id="{99B428BF-D65C-411D-B76B-DD2977302298}" type="datetimeFigureOut">
               <a:rPr lang="zh-CN" altLang="en-US" smtClean="0"/>
-              <a:t>2016/12/16</a:t>
+              <a:t>2016/12/22</a:t>
             </a:fld>
             <a:endParaRPr lang="zh-CN" altLang="en-US"/>
           </a:p>
@@ -766,7 +766,7 @@
           <a:p>
             <a:fld id="{99B428BF-D65C-411D-B76B-DD2977302298}" type="datetimeFigureOut">
               <a:rPr lang="zh-CN" altLang="en-US" smtClean="0"/>
-              <a:t>2016/12/16</a:t>
+              <a:t>2016/12/22</a:t>
             </a:fld>
             <a:endParaRPr lang="zh-CN" altLang="en-US"/>
           </a:p>
@@ -1012,7 +1012,7 @@
           <a:p>
             <a:fld id="{99B428BF-D65C-411D-B76B-DD2977302298}" type="datetimeFigureOut">
               <a:rPr lang="zh-CN" altLang="en-US" smtClean="0"/>
-              <a:t>2016/12/16</a:t>
+              <a:t>2016/12/22</a:t>
             </a:fld>
             <a:endParaRPr lang="zh-CN" altLang="en-US"/>
           </a:p>
@@ -1244,7 +1244,7 @@
           <a:p>
             <a:fld id="{99B428BF-D65C-411D-B76B-DD2977302298}" type="datetimeFigureOut">
               <a:rPr lang="zh-CN" altLang="en-US" smtClean="0"/>
-              <a:t>2016/12/16</a:t>
+              <a:t>2016/12/22</a:t>
             </a:fld>
             <a:endParaRPr lang="zh-CN" altLang="en-US"/>
           </a:p>
@@ -1611,7 +1611,7 @@
           <a:p>
             <a:fld id="{99B428BF-D65C-411D-B76B-DD2977302298}" type="datetimeFigureOut">
               <a:rPr lang="zh-CN" altLang="en-US" smtClean="0"/>
-              <a:t>2016/12/16</a:t>
+              <a:t>2016/12/22</a:t>
             </a:fld>
             <a:endParaRPr lang="zh-CN" altLang="en-US"/>
           </a:p>
@@ -1729,7 +1729,7 @@
           <a:p>
             <a:fld id="{99B428BF-D65C-411D-B76B-DD2977302298}" type="datetimeFigureOut">
               <a:rPr lang="zh-CN" altLang="en-US" smtClean="0"/>
-              <a:t>2016/12/16</a:t>
+              <a:t>2016/12/22</a:t>
             </a:fld>
             <a:endParaRPr lang="zh-CN" altLang="en-US"/>
           </a:p>
@@ -1824,7 +1824,7 @@
           <a:p>
             <a:fld id="{99B428BF-D65C-411D-B76B-DD2977302298}" type="datetimeFigureOut">
               <a:rPr lang="zh-CN" altLang="en-US" smtClean="0"/>
-              <a:t>2016/12/16</a:t>
+              <a:t>2016/12/22</a:t>
             </a:fld>
             <a:endParaRPr lang="zh-CN" altLang="en-US"/>
           </a:p>
@@ -2101,7 +2101,7 @@
           <a:p>
             <a:fld id="{99B428BF-D65C-411D-B76B-DD2977302298}" type="datetimeFigureOut">
               <a:rPr lang="zh-CN" altLang="en-US" smtClean="0"/>
-              <a:t>2016/12/16</a:t>
+              <a:t>2016/12/22</a:t>
             </a:fld>
             <a:endParaRPr lang="zh-CN" altLang="en-US"/>
           </a:p>
@@ -2354,7 +2354,7 @@
           <a:p>
             <a:fld id="{99B428BF-D65C-411D-B76B-DD2977302298}" type="datetimeFigureOut">
               <a:rPr lang="zh-CN" altLang="en-US" smtClean="0"/>
-              <a:t>2016/12/16</a:t>
+              <a:t>2016/12/22</a:t>
             </a:fld>
             <a:endParaRPr lang="zh-CN" altLang="en-US"/>
           </a:p>
@@ -2567,7 +2567,7 @@
           <a:p>
             <a:fld id="{99B428BF-D65C-411D-B76B-DD2977302298}" type="datetimeFigureOut">
               <a:rPr lang="zh-CN" altLang="en-US" smtClean="0"/>
-              <a:t>2016/12/16</a:t>
+              <a:t>2016/12/22</a:t>
             </a:fld>
             <a:endParaRPr lang="zh-CN" altLang="en-US"/>
           </a:p>
@@ -4205,7 +4205,7 @@
           <a:p>
             <a:pPr algn="ctr"/>
             <a:r>
-              <a:rPr lang="en-US" altLang="zh-CN" sz="1600" dirty="0" smtClean="0"/>
+              <a:rPr lang="en-US" altLang="zh-CN" sz="1600" dirty="0" err="1" smtClean="0"/>
               <a:t>elasticsearch</a:t>
             </a:r>
             <a:endParaRPr lang="zh-CN" altLang="en-US" sz="1600" dirty="0"/>
@@ -4463,6 +4463,748 @@
           <a:chExt cx="0" cy="0"/>
         </a:xfrm>
       </p:grpSpPr>
+      <p:sp>
+        <p:nvSpPr>
+          <p:cNvPr id="81" name="矩形 80"/>
+          <p:cNvSpPr/>
+          <p:nvPr/>
+        </p:nvSpPr>
+        <p:spPr>
+          <a:xfrm>
+            <a:off x="5286375" y="1257289"/>
+            <a:ext cx="3457575" cy="3457586"/>
+          </a:xfrm>
+          <a:prstGeom prst="rect">
+            <a:avLst/>
+          </a:prstGeom>
+          <a:ln w="19050">
+            <a:prstDash val="dash"/>
+          </a:ln>
+        </p:spPr>
+        <p:style>
+          <a:lnRef idx="2">
+            <a:schemeClr val="dk1"/>
+          </a:lnRef>
+          <a:fillRef idx="1">
+            <a:schemeClr val="lt1"/>
+          </a:fillRef>
+          <a:effectRef idx="0">
+            <a:schemeClr val="dk1"/>
+          </a:effectRef>
+          <a:fontRef idx="minor">
+            <a:schemeClr val="dk1"/>
+          </a:fontRef>
+        </p:style>
+        <p:txBody>
+          <a:bodyPr rtlCol="0" anchor="ctr"/>
+          <a:lstStyle/>
+          <a:p>
+            <a:pPr algn="ctr"/>
+            <a:endParaRPr lang="zh-CN" altLang="en-US"/>
+          </a:p>
+        </p:txBody>
+      </p:sp>
+      <p:sp>
+        <p:nvSpPr>
+          <p:cNvPr id="3" name="流程图: 磁盘 2"/>
+          <p:cNvSpPr/>
+          <p:nvPr/>
+        </p:nvSpPr>
+        <p:spPr>
+          <a:xfrm>
+            <a:off x="1944562" y="3138485"/>
+            <a:ext cx="1247775" cy="866775"/>
+          </a:xfrm>
+          <a:prstGeom prst="flowChartMagneticDisk">
+            <a:avLst/>
+          </a:prstGeom>
+          <a:ln w="19050"/>
+        </p:spPr>
+        <p:style>
+          <a:lnRef idx="2">
+            <a:schemeClr val="dk1"/>
+          </a:lnRef>
+          <a:fillRef idx="1">
+            <a:schemeClr val="lt1"/>
+          </a:fillRef>
+          <a:effectRef idx="0">
+            <a:schemeClr val="dk1"/>
+          </a:effectRef>
+          <a:fontRef idx="minor">
+            <a:schemeClr val="dk1"/>
+          </a:fontRef>
+        </p:style>
+        <p:txBody>
+          <a:bodyPr rtlCol="0" anchor="ctr"/>
+          <a:lstStyle/>
+          <a:p>
+            <a:pPr algn="ctr"/>
+            <a:r>
+              <a:rPr lang="zh-CN" altLang="en-US" sz="1600" dirty="0" smtClean="0"/>
+              <a:t>开源代码</a:t>
+            </a:r>
+            <a:endParaRPr lang="zh-CN" altLang="en-US" sz="1600" dirty="0"/>
+          </a:p>
+        </p:txBody>
+      </p:sp>
+      <p:sp>
+        <p:nvSpPr>
+          <p:cNvPr id="5" name="圆角矩形 4"/>
+          <p:cNvSpPr/>
+          <p:nvPr/>
+        </p:nvSpPr>
+        <p:spPr>
+          <a:xfrm>
+            <a:off x="7123779" y="409562"/>
+            <a:ext cx="1181100" cy="647700"/>
+          </a:xfrm>
+          <a:prstGeom prst="roundRect">
+            <a:avLst/>
+          </a:prstGeom>
+          <a:ln w="19050"/>
+        </p:spPr>
+        <p:style>
+          <a:lnRef idx="2">
+            <a:schemeClr val="dk1"/>
+          </a:lnRef>
+          <a:fillRef idx="1">
+            <a:schemeClr val="lt1"/>
+          </a:fillRef>
+          <a:effectRef idx="0">
+            <a:schemeClr val="dk1"/>
+          </a:effectRef>
+          <a:fontRef idx="minor">
+            <a:schemeClr val="dk1"/>
+          </a:fontRef>
+        </p:style>
+        <p:txBody>
+          <a:bodyPr rtlCol="0" anchor="ctr"/>
+          <a:lstStyle/>
+          <a:p>
+            <a:pPr algn="ctr"/>
+            <a:r>
+              <a:rPr lang="zh-CN" altLang="en-US" sz="1600" dirty="0" smtClean="0"/>
+              <a:t>用户查询</a:t>
+            </a:r>
+            <a:endParaRPr lang="zh-CN" altLang="en-US" sz="1600" dirty="0"/>
+          </a:p>
+        </p:txBody>
+      </p:sp>
+      <p:sp>
+        <p:nvSpPr>
+          <p:cNvPr id="12" name="矩形 11"/>
+          <p:cNvSpPr/>
+          <p:nvPr/>
+        </p:nvSpPr>
+        <p:spPr>
+          <a:xfrm>
+            <a:off x="6988047" y="2552698"/>
+            <a:ext cx="1452564" cy="695325"/>
+          </a:xfrm>
+          <a:prstGeom prst="rect">
+            <a:avLst/>
+          </a:prstGeom>
+          <a:ln w="19050"/>
+        </p:spPr>
+        <p:style>
+          <a:lnRef idx="2">
+            <a:schemeClr val="dk1"/>
+          </a:lnRef>
+          <a:fillRef idx="1">
+            <a:schemeClr val="lt1"/>
+          </a:fillRef>
+          <a:effectRef idx="0">
+            <a:schemeClr val="dk1"/>
+          </a:effectRef>
+          <a:fontRef idx="minor">
+            <a:schemeClr val="dk1"/>
+          </a:fontRef>
+        </p:style>
+        <p:txBody>
+          <a:bodyPr rtlCol="0" anchor="ctr"/>
+          <a:lstStyle/>
+          <a:p>
+            <a:pPr algn="ctr"/>
+            <a:r>
+              <a:rPr lang="zh-CN" altLang="en-US" sz="1600" dirty="0" smtClean="0"/>
+              <a:t>扩展布尔模型</a:t>
+            </a:r>
+            <a:endParaRPr lang="zh-CN" altLang="en-US" sz="1600" dirty="0"/>
+          </a:p>
+        </p:txBody>
+      </p:sp>
+      <p:sp>
+        <p:nvSpPr>
+          <p:cNvPr id="13" name="矩形 12"/>
+          <p:cNvSpPr/>
+          <p:nvPr/>
+        </p:nvSpPr>
+        <p:spPr>
+          <a:xfrm>
+            <a:off x="6994270" y="3895723"/>
+            <a:ext cx="1452563" cy="695325"/>
+          </a:xfrm>
+          <a:prstGeom prst="rect">
+            <a:avLst/>
+          </a:prstGeom>
+          <a:ln w="19050"/>
+        </p:spPr>
+        <p:style>
+          <a:lnRef idx="2">
+            <a:schemeClr val="dk1"/>
+          </a:lnRef>
+          <a:fillRef idx="1">
+            <a:schemeClr val="lt1"/>
+          </a:fillRef>
+          <a:effectRef idx="0">
+            <a:schemeClr val="dk1"/>
+          </a:effectRef>
+          <a:fontRef idx="minor">
+            <a:schemeClr val="dk1"/>
+          </a:fontRef>
+        </p:style>
+        <p:txBody>
+          <a:bodyPr rtlCol="0" anchor="ctr"/>
+          <a:lstStyle/>
+          <a:p>
+            <a:pPr algn="ctr"/>
+            <a:r>
+              <a:rPr lang="zh-CN" altLang="en-US" sz="1600" dirty="0"/>
+              <a:t>排序</a:t>
+            </a:r>
+          </a:p>
+        </p:txBody>
+      </p:sp>
+      <p:cxnSp>
+        <p:nvCxnSpPr>
+          <p:cNvPr id="20" name="肘形连接符 19"/>
+          <p:cNvCxnSpPr>
+            <a:stCxn id="12" idx="1"/>
+            <a:endCxn id="24" idx="0"/>
+          </p:cNvCxnSpPr>
+          <p:nvPr/>
+        </p:nvCxnSpPr>
+        <p:spPr>
+          <a:xfrm rot="10800000" flipV="1">
+            <a:off x="5969011" y="2900361"/>
+            <a:ext cx="1019036" cy="347662"/>
+          </a:xfrm>
+          <a:prstGeom prst="bentConnector2">
+            <a:avLst/>
+          </a:prstGeom>
+          <a:ln>
+            <a:tailEnd type="triangle"/>
+          </a:ln>
+        </p:spPr>
+        <p:style>
+          <a:lnRef idx="3">
+            <a:schemeClr val="dk1"/>
+          </a:lnRef>
+          <a:fillRef idx="0">
+            <a:schemeClr val="dk1"/>
+          </a:fillRef>
+          <a:effectRef idx="2">
+            <a:schemeClr val="dk1"/>
+          </a:effectRef>
+          <a:fontRef idx="minor">
+            <a:schemeClr val="tx1"/>
+          </a:fontRef>
+        </p:style>
+      </p:cxnSp>
+      <p:sp>
+        <p:nvSpPr>
+          <p:cNvPr id="24" name="圆角矩形 23"/>
+          <p:cNvSpPr/>
+          <p:nvPr/>
+        </p:nvSpPr>
+        <p:spPr>
+          <a:xfrm>
+            <a:off x="5486808" y="3248023"/>
+            <a:ext cx="964406" cy="647700"/>
+          </a:xfrm>
+          <a:prstGeom prst="roundRect">
+            <a:avLst/>
+          </a:prstGeom>
+          <a:ln w="19050"/>
+        </p:spPr>
+        <p:style>
+          <a:lnRef idx="2">
+            <a:schemeClr val="dk1"/>
+          </a:lnRef>
+          <a:fillRef idx="1">
+            <a:schemeClr val="lt1"/>
+          </a:fillRef>
+          <a:effectRef idx="0">
+            <a:schemeClr val="dk1"/>
+          </a:effectRef>
+          <a:fontRef idx="minor">
+            <a:schemeClr val="dk1"/>
+          </a:fontRef>
+        </p:style>
+        <p:txBody>
+          <a:bodyPr rtlCol="0" anchor="ctr"/>
+          <a:lstStyle/>
+          <a:p>
+            <a:pPr algn="ctr"/>
+            <a:r>
+              <a:rPr lang="zh-CN" altLang="en-US" sz="1600" dirty="0" smtClean="0"/>
+              <a:t>索引</a:t>
+            </a:r>
+            <a:endParaRPr lang="zh-CN" altLang="en-US" sz="1600" dirty="0"/>
+          </a:p>
+        </p:txBody>
+      </p:sp>
+      <p:cxnSp>
+        <p:nvCxnSpPr>
+          <p:cNvPr id="32" name="肘形连接符 31"/>
+          <p:cNvCxnSpPr>
+            <a:stCxn id="24" idx="2"/>
+            <a:endCxn id="13" idx="1"/>
+          </p:cNvCxnSpPr>
+          <p:nvPr/>
+        </p:nvCxnSpPr>
+        <p:spPr>
+          <a:xfrm rot="16200000" flipH="1">
+            <a:off x="6307809" y="3556924"/>
+            <a:ext cx="347663" cy="1025259"/>
+          </a:xfrm>
+          <a:prstGeom prst="bentConnector2">
+            <a:avLst/>
+          </a:prstGeom>
+          <a:ln>
+            <a:tailEnd type="triangle"/>
+          </a:ln>
+        </p:spPr>
+        <p:style>
+          <a:lnRef idx="3">
+            <a:schemeClr val="dk1"/>
+          </a:lnRef>
+          <a:fillRef idx="0">
+            <a:schemeClr val="dk1"/>
+          </a:fillRef>
+          <a:effectRef idx="2">
+            <a:schemeClr val="dk1"/>
+          </a:effectRef>
+          <a:fontRef idx="minor">
+            <a:schemeClr val="tx1"/>
+          </a:fontRef>
+        </p:style>
+      </p:cxnSp>
+      <p:sp>
+        <p:nvSpPr>
+          <p:cNvPr id="33" name="圆角矩形 32"/>
+          <p:cNvSpPr/>
+          <p:nvPr/>
+        </p:nvSpPr>
+        <p:spPr>
+          <a:xfrm>
+            <a:off x="7123779" y="4991104"/>
+            <a:ext cx="1181100" cy="647700"/>
+          </a:xfrm>
+          <a:prstGeom prst="roundRect">
+            <a:avLst/>
+          </a:prstGeom>
+          <a:ln w="19050"/>
+        </p:spPr>
+        <p:style>
+          <a:lnRef idx="2">
+            <a:schemeClr val="dk1"/>
+          </a:lnRef>
+          <a:fillRef idx="1">
+            <a:schemeClr val="lt1"/>
+          </a:fillRef>
+          <a:effectRef idx="0">
+            <a:schemeClr val="dk1"/>
+          </a:effectRef>
+          <a:fontRef idx="minor">
+            <a:schemeClr val="dk1"/>
+          </a:fontRef>
+        </p:style>
+        <p:txBody>
+          <a:bodyPr rtlCol="0" anchor="ctr"/>
+          <a:lstStyle/>
+          <a:p>
+            <a:pPr algn="ctr"/>
+            <a:r>
+              <a:rPr lang="zh-CN" altLang="en-US" sz="1600" dirty="0" smtClean="0"/>
+              <a:t>搜索结果</a:t>
+            </a:r>
+            <a:endParaRPr lang="zh-CN" altLang="en-US" sz="1600" dirty="0"/>
+          </a:p>
+        </p:txBody>
+      </p:sp>
+      <p:sp>
+        <p:nvSpPr>
+          <p:cNvPr id="48" name="矩形 47"/>
+          <p:cNvSpPr/>
+          <p:nvPr/>
+        </p:nvSpPr>
+        <p:spPr>
+          <a:xfrm>
+            <a:off x="6988047" y="1457317"/>
+            <a:ext cx="1452563" cy="695325"/>
+          </a:xfrm>
+          <a:prstGeom prst="rect">
+            <a:avLst/>
+          </a:prstGeom>
+          <a:ln w="19050"/>
+        </p:spPr>
+        <p:style>
+          <a:lnRef idx="2">
+            <a:schemeClr val="dk1"/>
+          </a:lnRef>
+          <a:fillRef idx="1">
+            <a:schemeClr val="lt1"/>
+          </a:fillRef>
+          <a:effectRef idx="0">
+            <a:schemeClr val="dk1"/>
+          </a:effectRef>
+          <a:fontRef idx="minor">
+            <a:schemeClr val="dk1"/>
+          </a:fontRef>
+        </p:style>
+        <p:txBody>
+          <a:bodyPr rtlCol="0" anchor="ctr"/>
+          <a:lstStyle/>
+          <a:p>
+            <a:pPr algn="ctr"/>
+            <a:r>
+              <a:rPr lang="zh-CN" altLang="en-US" sz="1600" dirty="0"/>
+              <a:t>查询扩展</a:t>
+            </a:r>
+          </a:p>
+        </p:txBody>
+      </p:sp>
+      <p:sp>
+        <p:nvSpPr>
+          <p:cNvPr id="51" name="矩形 50"/>
+          <p:cNvSpPr/>
+          <p:nvPr/>
+        </p:nvSpPr>
+        <p:spPr>
+          <a:xfrm>
+            <a:off x="3822313" y="3228968"/>
+            <a:ext cx="1070102" cy="695325"/>
+          </a:xfrm>
+          <a:prstGeom prst="rect">
+            <a:avLst/>
+          </a:prstGeom>
+          <a:ln w="19050"/>
+        </p:spPr>
+        <p:style>
+          <a:lnRef idx="2">
+            <a:schemeClr val="dk1"/>
+          </a:lnRef>
+          <a:fillRef idx="1">
+            <a:schemeClr val="lt1"/>
+          </a:fillRef>
+          <a:effectRef idx="0">
+            <a:schemeClr val="dk1"/>
+          </a:effectRef>
+          <a:fontRef idx="minor">
+            <a:schemeClr val="dk1"/>
+          </a:fontRef>
+        </p:style>
+        <p:txBody>
+          <a:bodyPr rtlCol="0" anchor="ctr"/>
+          <a:lstStyle/>
+          <a:p>
+            <a:pPr algn="ctr"/>
+            <a:r>
+              <a:rPr lang="zh-CN" altLang="en-US" sz="1600" dirty="0" smtClean="0"/>
+              <a:t>信息提取</a:t>
+            </a:r>
+            <a:endParaRPr lang="zh-CN" altLang="en-US" sz="1600" dirty="0"/>
+          </a:p>
+        </p:txBody>
+      </p:sp>
+      <p:cxnSp>
+        <p:nvCxnSpPr>
+          <p:cNvPr id="71" name="直接箭头连接符 70"/>
+          <p:cNvCxnSpPr>
+            <a:stCxn id="3" idx="4"/>
+            <a:endCxn id="51" idx="1"/>
+          </p:cNvCxnSpPr>
+          <p:nvPr/>
+        </p:nvCxnSpPr>
+        <p:spPr>
+          <a:xfrm>
+            <a:off x="3192337" y="3571873"/>
+            <a:ext cx="629976" cy="4758"/>
+          </a:xfrm>
+          <a:prstGeom prst="straightConnector1">
+            <a:avLst/>
+          </a:prstGeom>
+          <a:ln>
+            <a:tailEnd type="triangle"/>
+          </a:ln>
+        </p:spPr>
+        <p:style>
+          <a:lnRef idx="3">
+            <a:schemeClr val="dk1"/>
+          </a:lnRef>
+          <a:fillRef idx="0">
+            <a:schemeClr val="dk1"/>
+          </a:fillRef>
+          <a:effectRef idx="2">
+            <a:schemeClr val="dk1"/>
+          </a:effectRef>
+          <a:fontRef idx="minor">
+            <a:schemeClr val="tx1"/>
+          </a:fontRef>
+        </p:style>
+      </p:cxnSp>
+      <p:cxnSp>
+        <p:nvCxnSpPr>
+          <p:cNvPr id="74" name="直接箭头连接符 73"/>
+          <p:cNvCxnSpPr>
+            <a:stCxn id="51" idx="3"/>
+            <a:endCxn id="24" idx="1"/>
+          </p:cNvCxnSpPr>
+          <p:nvPr/>
+        </p:nvCxnSpPr>
+        <p:spPr>
+          <a:xfrm flipV="1">
+            <a:off x="4892415" y="3571873"/>
+            <a:ext cx="594393" cy="4758"/>
+          </a:xfrm>
+          <a:prstGeom prst="straightConnector1">
+            <a:avLst/>
+          </a:prstGeom>
+          <a:ln>
+            <a:tailEnd type="triangle"/>
+          </a:ln>
+        </p:spPr>
+        <p:style>
+          <a:lnRef idx="3">
+            <a:schemeClr val="dk1"/>
+          </a:lnRef>
+          <a:fillRef idx="0">
+            <a:schemeClr val="dk1"/>
+          </a:fillRef>
+          <a:effectRef idx="2">
+            <a:schemeClr val="dk1"/>
+          </a:effectRef>
+          <a:fontRef idx="minor">
+            <a:schemeClr val="tx1"/>
+          </a:fontRef>
+        </p:style>
+      </p:cxnSp>
+      <p:cxnSp>
+        <p:nvCxnSpPr>
+          <p:cNvPr id="76" name="直接箭头连接符 75"/>
+          <p:cNvCxnSpPr>
+            <a:stCxn id="5" idx="2"/>
+            <a:endCxn id="48" idx="0"/>
+          </p:cNvCxnSpPr>
+          <p:nvPr/>
+        </p:nvCxnSpPr>
+        <p:spPr>
+          <a:xfrm>
+            <a:off x="7714329" y="1057262"/>
+            <a:ext cx="0" cy="400055"/>
+          </a:xfrm>
+          <a:prstGeom prst="straightConnector1">
+            <a:avLst/>
+          </a:prstGeom>
+          <a:ln>
+            <a:tailEnd type="triangle"/>
+          </a:ln>
+        </p:spPr>
+        <p:style>
+          <a:lnRef idx="3">
+            <a:schemeClr val="dk1"/>
+          </a:lnRef>
+          <a:fillRef idx="0">
+            <a:schemeClr val="dk1"/>
+          </a:fillRef>
+          <a:effectRef idx="2">
+            <a:schemeClr val="dk1"/>
+          </a:effectRef>
+          <a:fontRef idx="minor">
+            <a:schemeClr val="tx1"/>
+          </a:fontRef>
+        </p:style>
+      </p:cxnSp>
+      <p:cxnSp>
+        <p:nvCxnSpPr>
+          <p:cNvPr id="77" name="直接箭头连接符 76"/>
+          <p:cNvCxnSpPr/>
+          <p:nvPr/>
+        </p:nvCxnSpPr>
+        <p:spPr>
+          <a:xfrm>
+            <a:off x="7714328" y="2152643"/>
+            <a:ext cx="0" cy="400055"/>
+          </a:xfrm>
+          <a:prstGeom prst="straightConnector1">
+            <a:avLst/>
+          </a:prstGeom>
+          <a:ln>
+            <a:tailEnd type="triangle"/>
+          </a:ln>
+        </p:spPr>
+        <p:style>
+          <a:lnRef idx="3">
+            <a:schemeClr val="dk1"/>
+          </a:lnRef>
+          <a:fillRef idx="0">
+            <a:schemeClr val="dk1"/>
+          </a:fillRef>
+          <a:effectRef idx="2">
+            <a:schemeClr val="dk1"/>
+          </a:effectRef>
+          <a:fontRef idx="minor">
+            <a:schemeClr val="tx1"/>
+          </a:fontRef>
+        </p:style>
+      </p:cxnSp>
+      <p:cxnSp>
+        <p:nvCxnSpPr>
+          <p:cNvPr id="78" name="直接箭头连接符 77"/>
+          <p:cNvCxnSpPr/>
+          <p:nvPr/>
+        </p:nvCxnSpPr>
+        <p:spPr>
+          <a:xfrm>
+            <a:off x="7713406" y="4591049"/>
+            <a:ext cx="0" cy="400055"/>
+          </a:xfrm>
+          <a:prstGeom prst="straightConnector1">
+            <a:avLst/>
+          </a:prstGeom>
+          <a:ln>
+            <a:tailEnd type="triangle"/>
+          </a:ln>
+        </p:spPr>
+        <p:style>
+          <a:lnRef idx="3">
+            <a:schemeClr val="dk1"/>
+          </a:lnRef>
+          <a:fillRef idx="0">
+            <a:schemeClr val="dk1"/>
+          </a:fillRef>
+          <a:effectRef idx="2">
+            <a:schemeClr val="dk1"/>
+          </a:effectRef>
+          <a:fontRef idx="minor">
+            <a:schemeClr val="tx1"/>
+          </a:fontRef>
+        </p:style>
+      </p:cxnSp>
+      <p:sp>
+        <p:nvSpPr>
+          <p:cNvPr id="82" name="文本框 81"/>
+          <p:cNvSpPr txBox="1"/>
+          <p:nvPr/>
+        </p:nvSpPr>
+        <p:spPr>
+          <a:xfrm>
+            <a:off x="4702455" y="4862515"/>
+            <a:ext cx="1687898" cy="338554"/>
+          </a:xfrm>
+          <a:prstGeom prst="rect">
+            <a:avLst/>
+          </a:prstGeom>
+          <a:noFill/>
+        </p:spPr>
+        <p:txBody>
+          <a:bodyPr wrap="none" rtlCol="0">
+            <a:spAutoFit/>
+          </a:bodyPr>
+          <a:lstStyle/>
+          <a:p>
+            <a:r>
+              <a:rPr lang="en-US" altLang="zh-CN" sz="1600" b="1" dirty="0" smtClean="0"/>
+              <a:t>Elasticsearch</a:t>
+            </a:r>
+            <a:r>
+              <a:rPr lang="zh-CN" altLang="en-US" sz="1600" b="1" dirty="0" smtClean="0"/>
+              <a:t>集群</a:t>
+            </a:r>
+            <a:endParaRPr lang="zh-CN" altLang="en-US" sz="1600" b="1" dirty="0"/>
+          </a:p>
+        </p:txBody>
+      </p:sp>
+      <p:sp>
+        <p:nvSpPr>
+          <p:cNvPr id="83" name="圆角矩形 82"/>
+          <p:cNvSpPr/>
+          <p:nvPr/>
+        </p:nvSpPr>
+        <p:spPr>
+          <a:xfrm>
+            <a:off x="5486808" y="1481129"/>
+            <a:ext cx="1186320" cy="647700"/>
+          </a:xfrm>
+          <a:prstGeom prst="roundRect">
+            <a:avLst/>
+          </a:prstGeom>
+          <a:ln w="19050"/>
+        </p:spPr>
+        <p:style>
+          <a:lnRef idx="2">
+            <a:schemeClr val="dk1"/>
+          </a:lnRef>
+          <a:fillRef idx="1">
+            <a:schemeClr val="lt1"/>
+          </a:fillRef>
+          <a:effectRef idx="0">
+            <a:schemeClr val="dk1"/>
+          </a:effectRef>
+          <a:fontRef idx="minor">
+            <a:schemeClr val="dk1"/>
+          </a:fontRef>
+        </p:style>
+        <p:txBody>
+          <a:bodyPr rtlCol="0" anchor="ctr"/>
+          <a:lstStyle/>
+          <a:p>
+            <a:pPr algn="ctr"/>
+            <a:r>
+              <a:rPr lang="en-US" altLang="zh-CN" sz="1600" dirty="0" smtClean="0"/>
+              <a:t>SWordMap</a:t>
+            </a:r>
+            <a:endParaRPr lang="zh-CN" altLang="en-US" sz="1600" dirty="0"/>
+          </a:p>
+        </p:txBody>
+      </p:sp>
+      <p:cxnSp>
+        <p:nvCxnSpPr>
+          <p:cNvPr id="85" name="直接箭头连接符 84"/>
+          <p:cNvCxnSpPr>
+            <a:stCxn id="83" idx="3"/>
+            <a:endCxn id="48" idx="1"/>
+          </p:cNvCxnSpPr>
+          <p:nvPr/>
+        </p:nvCxnSpPr>
+        <p:spPr>
+          <a:xfrm>
+            <a:off x="6673128" y="1804979"/>
+            <a:ext cx="314919" cy="1"/>
+          </a:xfrm>
+          <a:prstGeom prst="straightConnector1">
+            <a:avLst/>
+          </a:prstGeom>
+          <a:ln>
+            <a:tailEnd type="triangle"/>
+          </a:ln>
+        </p:spPr>
+        <p:style>
+          <a:lnRef idx="3">
+            <a:schemeClr val="dk1"/>
+          </a:lnRef>
+          <a:fillRef idx="0">
+            <a:schemeClr val="dk1"/>
+          </a:fillRef>
+          <a:effectRef idx="2">
+            <a:schemeClr val="dk1"/>
+          </a:effectRef>
+          <a:fontRef idx="minor">
+            <a:schemeClr val="tx1"/>
+          </a:fontRef>
+        </p:style>
+      </p:cxnSp>
     </p:spTree>
     <p:extLst>
       <p:ext uri="{BB962C8B-B14F-4D97-AF65-F5344CB8AC3E}">
